--- a/01-NSObejct本质/聊聊NSObject.pptx
+++ b/01-NSObejct本质/聊聊NSObject.pptx
@@ -3071,7 +3071,7 @@
             <a:fld id="{0F9B84EA-7D68-4D60-9CB1-D50884785D1C}" type="datetimeFigureOut">
               <a:rPr lang="zh-CN" altLang="en-US" smtClean="0"/>
               <a:pPr/>
-              <a:t>2018/6/4</a:t>
+              <a:t>2018/6/13</a:t>
             </a:fld>
             <a:endParaRPr lang="zh-CN" altLang="en-US"/>
           </a:p>
@@ -3242,7 +3242,7 @@
             <a:fld id="{7427AE1C-C8CA-495D-A1C3-F4E19E455D4D}" type="datetimeFigureOut">
               <a:rPr lang="zh-CN" altLang="en-US" smtClean="0"/>
               <a:pPr/>
-              <a:t>2018/6/4</a:t>
+              <a:t>2018/6/13</a:t>
             </a:fld>
             <a:endParaRPr lang="zh-CN" altLang="en-US"/>
           </a:p>
@@ -4077,7 +4077,7 @@
             <a:fld id="{0880C882-A448-4391-8676-F5947BC890DB}" type="datetimeFigureOut">
               <a:rPr lang="zh-CN" altLang="en-US" smtClean="0"/>
               <a:pPr/>
-              <a:t>2018/6/4</a:t>
+              <a:t>2018/6/13</a:t>
             </a:fld>
             <a:endParaRPr lang="zh-CN" altLang="en-US"/>
           </a:p>
@@ -4223,7 +4223,7 @@
             <a:fld id="{0880C882-A448-4391-8676-F5947BC890DB}" type="datetimeFigureOut">
               <a:rPr lang="zh-CN" altLang="en-US" smtClean="0"/>
               <a:pPr/>
-              <a:t>2018/6/4</a:t>
+              <a:t>2018/6/13</a:t>
             </a:fld>
             <a:endParaRPr lang="zh-CN" altLang="en-US"/>
           </a:p>
@@ -4426,7 +4426,7 @@
             <a:fld id="{530820CF-B880-4189-942D-D702A7CBA730}" type="datetimeFigureOut">
               <a:rPr lang="zh-CN" altLang="en-US" smtClean="0"/>
               <a:pPr/>
-              <a:t>2018/6/4</a:t>
+              <a:t>2018/6/13</a:t>
             </a:fld>
             <a:endParaRPr lang="zh-CN" altLang="en-US"/>
           </a:p>
@@ -4671,7 +4671,7 @@
                 </a:solidFill>
               </a:rPr>
               <a:pPr/>
-              <a:t>2018/6/4</a:t>
+              <a:t>2018/6/13</a:t>
             </a:fld>
             <a:endParaRPr lang="zh-CN" altLang="en-US">
               <a:solidFill>
@@ -4787,7 +4787,7 @@
             <a:fld id="{530820CF-B880-4189-942D-D702A7CBA730}" type="datetimeFigureOut">
               <a:rPr lang="zh-CN" altLang="en-US" smtClean="0"/>
               <a:pPr/>
-              <a:t>2018/6/4</a:t>
+              <a:t>2018/6/13</a:t>
             </a:fld>
             <a:endParaRPr lang="zh-CN" altLang="en-US"/>
           </a:p>
@@ -4998,7 +4998,7 @@
             <a:fld id="{0880C882-A448-4391-8676-F5947BC890DB}" type="datetimeFigureOut">
               <a:rPr lang="zh-CN" altLang="en-US" smtClean="0"/>
               <a:pPr/>
-              <a:t>2018/6/4</a:t>
+              <a:t>2018/6/13</a:t>
             </a:fld>
             <a:endParaRPr lang="zh-CN" altLang="en-US"/>
           </a:p>
@@ -15893,109 +15893,6 @@
           </p:txBody>
         </p:sp>
       </p:grpSp>
-      <p:sp>
-        <p:nvSpPr>
-          <p:cNvPr id="10" name="文本框 9"/>
-          <p:cNvSpPr txBox="1"/>
-          <p:nvPr/>
-        </p:nvSpPr>
-        <p:spPr>
-          <a:xfrm>
-            <a:off x="1522003" y="4643718"/>
-            <a:ext cx="9727550" cy="646331"/>
-          </a:xfrm>
-          <a:prstGeom prst="rect">
-            <a:avLst/>
-          </a:prstGeom>
-          <a:noFill/>
-        </p:spPr>
-        <p:txBody>
-          <a:bodyPr wrap="square" rtlCol="0">
-            <a:spAutoFit/>
-          </a:bodyPr>
-          <a:lstStyle/>
-          <a:p>
-            <a:r>
-              <a:rPr lang="zh-CN" altLang="en-US" dirty="0">
-                <a:solidFill>
-                  <a:schemeClr val="tx1">
-                    <a:lumMod val="65000"/>
-                    <a:lumOff val="35000"/>
-                  </a:schemeClr>
-                </a:solidFill>
-                <a:latin typeface="微软雅黑" panose="020B0503020204020204" pitchFamily="34" charset="-122"/>
-                <a:ea typeface="微软雅黑" panose="020B0503020204020204" pitchFamily="34" charset="-122"/>
-              </a:rPr>
-              <a:t>思考：</a:t>
-            </a:r>
-            <a:r>
-              <a:rPr lang="en-US" altLang="zh-CN" dirty="0">
-                <a:solidFill>
-                  <a:schemeClr val="tx1">
-                    <a:lumMod val="65000"/>
-                    <a:lumOff val="35000"/>
-                  </a:schemeClr>
-                </a:solidFill>
-                <a:latin typeface="微软雅黑" panose="020B0503020204020204" pitchFamily="34" charset="-122"/>
-                <a:ea typeface="微软雅黑" panose="020B0503020204020204" pitchFamily="34" charset="-122"/>
-              </a:rPr>
-              <a:t>Objective-C</a:t>
-            </a:r>
-            <a:r>
-              <a:rPr lang="zh-CN" altLang="en-US" dirty="0">
-                <a:solidFill>
-                  <a:schemeClr val="tx1">
-                    <a:lumMod val="65000"/>
-                    <a:lumOff val="35000"/>
-                  </a:schemeClr>
-                </a:solidFill>
-                <a:latin typeface="微软雅黑" panose="020B0503020204020204" pitchFamily="34" charset="-122"/>
-                <a:ea typeface="微软雅黑" panose="020B0503020204020204" pitchFamily="34" charset="-122"/>
-              </a:rPr>
-              <a:t>的对象、类主要是基于</a:t>
-            </a:r>
-            <a:r>
-              <a:rPr lang="en-US" altLang="zh-CN" dirty="0">
-                <a:solidFill>
-                  <a:schemeClr val="tx1">
-                    <a:lumMod val="65000"/>
-                    <a:lumOff val="35000"/>
-                  </a:schemeClr>
-                </a:solidFill>
-                <a:latin typeface="微软雅黑" panose="020B0503020204020204" pitchFamily="34" charset="-122"/>
-                <a:ea typeface="微软雅黑" panose="020B0503020204020204" pitchFamily="34" charset="-122"/>
-              </a:rPr>
-              <a:t>C\C++</a:t>
-            </a:r>
-            <a:r>
-              <a:rPr lang="zh-CN" altLang="en-US" dirty="0">
-                <a:solidFill>
-                  <a:schemeClr val="tx1">
-                    <a:lumMod val="65000"/>
-                    <a:lumOff val="35000"/>
-                  </a:schemeClr>
-                </a:solidFill>
-                <a:latin typeface="微软雅黑" panose="020B0503020204020204" pitchFamily="34" charset="-122"/>
-                <a:ea typeface="微软雅黑" panose="020B0503020204020204" pitchFamily="34" charset="-122"/>
-              </a:rPr>
-              <a:t>的什么数据结构实现的？</a:t>
-            </a:r>
-            <a:endParaRPr lang="en-US" altLang="zh-CN" dirty="0">
-              <a:solidFill>
-                <a:schemeClr val="tx1">
-                  <a:lumMod val="65000"/>
-                  <a:lumOff val="35000"/>
-                </a:schemeClr>
-              </a:solidFill>
-              <a:latin typeface="微软雅黑" panose="020B0503020204020204" pitchFamily="34" charset="-122"/>
-              <a:ea typeface="微软雅黑" panose="020B0503020204020204" pitchFamily="34" charset="-122"/>
-            </a:endParaRPr>
-          </a:p>
-          <a:p>
-            <a:endParaRPr kumimoji="1" lang="zh-CN" altLang="en-US" dirty="0"/>
-          </a:p>
-        </p:txBody>
-      </p:sp>
     </p:spTree>
   </p:cSld>
   <p:clrMapOvr>
@@ -16184,284 +16081,6 @@
                                         <p:cTn id="15" dur="1000"/>
                                         <p:tgtEl>
                                           <p:spTgt spid="11"/>
-                                        </p:tgtEl>
-                                      </p:cBhvr>
-                                    </p:animEffect>
-                                  </p:childTnLst>
-                                </p:cTn>
-                              </p:par>
-                            </p:childTnLst>
-                          </p:cTn>
-                        </p:par>
-                      </p:childTnLst>
-                    </p:cTn>
-                  </p:par>
-                  <p:par>
-                    <p:cTn id="16" fill="hold">
-                      <p:stCondLst>
-                        <p:cond delay="indefinite"/>
-                      </p:stCondLst>
-                      <p:childTnLst>
-                        <p:par>
-                          <p:cTn id="17" fill="hold">
-                            <p:stCondLst>
-                              <p:cond delay="0"/>
-                            </p:stCondLst>
-                            <p:childTnLst>
-                              <p:par>
-                                <p:cTn id="18" presetID="25" presetClass="entr" presetSubtype="0" fill="hold" nodeType="clickEffect">
-                                  <p:stCondLst>
-                                    <p:cond delay="0"/>
-                                  </p:stCondLst>
-                                  <p:childTnLst>
-                                    <p:set>
-                                      <p:cBhvr>
-                                        <p:cTn id="19" dur="1" fill="hold">
-                                          <p:stCondLst>
-                                            <p:cond delay="0"/>
-                                          </p:stCondLst>
-                                        </p:cTn>
-                                        <p:tgtEl>
-                                          <p:spTgt spid="10">
-                                            <p:txEl>
-                                              <p:pRg st="0" end="0"/>
-                                            </p:txEl>
-                                          </p:spTgt>
-                                        </p:tgtEl>
-                                        <p:attrNameLst>
-                                          <p:attrName>style.visibility</p:attrName>
-                                        </p:attrNameLst>
-                                      </p:cBhvr>
-                                      <p:to>
-                                        <p:strVal val="visible"/>
-                                      </p:to>
-                                    </p:set>
-                                    <p:anim calcmode="lin" valueType="num">
-                                      <p:cBhvr>
-                                        <p:cTn id="20" dur="500" decel="50000" fill="hold">
-                                          <p:stCondLst>
-                                            <p:cond delay="0"/>
-                                          </p:stCondLst>
-                                        </p:cTn>
-                                        <p:tgtEl>
-                                          <p:spTgt spid="10">
-                                            <p:txEl>
-                                              <p:pRg st="0" end="0"/>
-                                            </p:txEl>
-                                          </p:spTgt>
-                                        </p:tgtEl>
-                                        <p:attrNameLst>
-                                          <p:attrName>style.rotation</p:attrName>
-                                        </p:attrNameLst>
-                                      </p:cBhvr>
-                                      <p:tavLst>
-                                        <p:tav tm="0">
-                                          <p:val>
-                                            <p:fltVal val="-90"/>
-                                          </p:val>
-                                        </p:tav>
-                                        <p:tav tm="100000">
-                                          <p:val>
-                                            <p:fltVal val="0"/>
-                                          </p:val>
-                                        </p:tav>
-                                      </p:tavLst>
-                                    </p:anim>
-                                    <p:anim calcmode="lin" valueType="num">
-                                      <p:cBhvr>
-                                        <p:cTn id="21" dur="500" decel="50000" fill="hold">
-                                          <p:stCondLst>
-                                            <p:cond delay="0"/>
-                                          </p:stCondLst>
-                                        </p:cTn>
-                                        <p:tgtEl>
-                                          <p:spTgt spid="10">
-                                            <p:txEl>
-                                              <p:pRg st="0" end="0"/>
-                                            </p:txEl>
-                                          </p:spTgt>
-                                        </p:tgtEl>
-                                        <p:attrNameLst>
-                                          <p:attrName>ppt_w</p:attrName>
-                                        </p:attrNameLst>
-                                      </p:cBhvr>
-                                      <p:tavLst>
-                                        <p:tav tm="0">
-                                          <p:val>
-                                            <p:strVal val="#ppt_w"/>
-                                          </p:val>
-                                        </p:tav>
-                                        <p:tav tm="100000">
-                                          <p:val>
-                                            <p:strVal val="#ppt_w*.05"/>
-                                          </p:val>
-                                        </p:tav>
-                                      </p:tavLst>
-                                    </p:anim>
-                                    <p:anim calcmode="lin" valueType="num">
-                                      <p:cBhvr>
-                                        <p:cTn id="22" dur="500" accel="50000" fill="hold">
-                                          <p:stCondLst>
-                                            <p:cond delay="500"/>
-                                          </p:stCondLst>
-                                        </p:cTn>
-                                        <p:tgtEl>
-                                          <p:spTgt spid="10">
-                                            <p:txEl>
-                                              <p:pRg st="0" end="0"/>
-                                            </p:txEl>
-                                          </p:spTgt>
-                                        </p:tgtEl>
-                                        <p:attrNameLst>
-                                          <p:attrName>ppt_w</p:attrName>
-                                        </p:attrNameLst>
-                                      </p:cBhvr>
-                                      <p:tavLst>
-                                        <p:tav tm="0">
-                                          <p:val>
-                                            <p:strVal val="#ppt_w*.05"/>
-                                          </p:val>
-                                        </p:tav>
-                                        <p:tav tm="100000">
-                                          <p:val>
-                                            <p:strVal val="#ppt_w"/>
-                                          </p:val>
-                                        </p:tav>
-                                      </p:tavLst>
-                                    </p:anim>
-                                    <p:anim calcmode="lin" valueType="num">
-                                      <p:cBhvr>
-                                        <p:cTn id="23" dur="1000" fill="hold"/>
-                                        <p:tgtEl>
-                                          <p:spTgt spid="10">
-                                            <p:txEl>
-                                              <p:pRg st="0" end="0"/>
-                                            </p:txEl>
-                                          </p:spTgt>
-                                        </p:tgtEl>
-                                        <p:attrNameLst>
-                                          <p:attrName>ppt_h</p:attrName>
-                                        </p:attrNameLst>
-                                      </p:cBhvr>
-                                      <p:tavLst>
-                                        <p:tav tm="0">
-                                          <p:val>
-                                            <p:strVal val="#ppt_h"/>
-                                          </p:val>
-                                        </p:tav>
-                                        <p:tav tm="100000">
-                                          <p:val>
-                                            <p:strVal val="#ppt_h"/>
-                                          </p:val>
-                                        </p:tav>
-                                      </p:tavLst>
-                                    </p:anim>
-                                    <p:anim calcmode="lin" valueType="num">
-                                      <p:cBhvr>
-                                        <p:cTn id="24" dur="500" decel="50000" fill="hold">
-                                          <p:stCondLst>
-                                            <p:cond delay="0"/>
-                                          </p:stCondLst>
-                                        </p:cTn>
-                                        <p:tgtEl>
-                                          <p:spTgt spid="10">
-                                            <p:txEl>
-                                              <p:pRg st="0" end="0"/>
-                                            </p:txEl>
-                                          </p:spTgt>
-                                        </p:tgtEl>
-                                        <p:attrNameLst>
-                                          <p:attrName>ppt_x</p:attrName>
-                                        </p:attrNameLst>
-                                      </p:cBhvr>
-                                      <p:tavLst>
-                                        <p:tav tm="0">
-                                          <p:val>
-                                            <p:strVal val="#ppt_x+.4"/>
-                                          </p:val>
-                                        </p:tav>
-                                        <p:tav tm="100000">
-                                          <p:val>
-                                            <p:strVal val="#ppt_x"/>
-                                          </p:val>
-                                        </p:tav>
-                                      </p:tavLst>
-                                    </p:anim>
-                                    <p:anim calcmode="lin" valueType="num">
-                                      <p:cBhvr>
-                                        <p:cTn id="25" dur="500" decel="50000" fill="hold">
-                                          <p:stCondLst>
-                                            <p:cond delay="0"/>
-                                          </p:stCondLst>
-                                        </p:cTn>
-                                        <p:tgtEl>
-                                          <p:spTgt spid="10">
-                                            <p:txEl>
-                                              <p:pRg st="0" end="0"/>
-                                            </p:txEl>
-                                          </p:spTgt>
-                                        </p:tgtEl>
-                                        <p:attrNameLst>
-                                          <p:attrName>ppt_y</p:attrName>
-                                        </p:attrNameLst>
-                                      </p:cBhvr>
-                                      <p:tavLst>
-                                        <p:tav tm="0">
-                                          <p:val>
-                                            <p:strVal val="#ppt_y-.2"/>
-                                          </p:val>
-                                        </p:tav>
-                                        <p:tav tm="100000">
-                                          <p:val>
-                                            <p:strVal val="#ppt_y+.1"/>
-                                          </p:val>
-                                        </p:tav>
-                                      </p:tavLst>
-                                    </p:anim>
-                                    <p:anim calcmode="lin" valueType="num">
-                                      <p:cBhvr>
-                                        <p:cTn id="26" dur="500" accel="50000" fill="hold">
-                                          <p:stCondLst>
-                                            <p:cond delay="500"/>
-                                          </p:stCondLst>
-                                        </p:cTn>
-                                        <p:tgtEl>
-                                          <p:spTgt spid="10">
-                                            <p:txEl>
-                                              <p:pRg st="0" end="0"/>
-                                            </p:txEl>
-                                          </p:spTgt>
-                                        </p:tgtEl>
-                                        <p:attrNameLst>
-                                          <p:attrName>ppt_y</p:attrName>
-                                        </p:attrNameLst>
-                                      </p:cBhvr>
-                                      <p:tavLst>
-                                        <p:tav tm="0">
-                                          <p:val>
-                                            <p:strVal val="#ppt_y+.1"/>
-                                          </p:val>
-                                        </p:tav>
-                                        <p:tav tm="100000">
-                                          <p:val>
-                                            <p:strVal val="#ppt_y"/>
-                                          </p:val>
-                                        </p:tav>
-                                      </p:tavLst>
-                                    </p:anim>
-                                    <p:animEffect transition="in" filter="fade">
-                                      <p:cBhvr>
-                                        <p:cTn id="27" dur="1000" decel="50000">
-                                          <p:stCondLst>
-                                            <p:cond delay="0"/>
-                                          </p:stCondLst>
-                                        </p:cTn>
-                                        <p:tgtEl>
-                                          <p:spTgt spid="10">
-                                            <p:txEl>
-                                              <p:pRg st="0" end="0"/>
-                                            </p:txEl>
-                                          </p:spTgt>
                                         </p:tgtEl>
                                       </p:cBhvr>
                                     </p:animEffect>
@@ -17505,51 +17124,6 @@
           </p:txBody>
         </p:sp>
       </p:grpSp>
-      <p:sp>
-        <p:nvSpPr>
-          <p:cNvPr id="9" name="文本框 8"/>
-          <p:cNvSpPr txBox="1"/>
-          <p:nvPr/>
-        </p:nvSpPr>
-        <p:spPr>
-          <a:xfrm>
-            <a:off x="735600" y="5791199"/>
-            <a:ext cx="5270753" cy="369332"/>
-          </a:xfrm>
-          <a:prstGeom prst="rect">
-            <a:avLst/>
-          </a:prstGeom>
-          <a:noFill/>
-          <a:effectLst>
-            <a:outerShdw blurRad="50800" dist="50800" dir="11520000" algn="ctr" rotWithShape="0">
-              <a:srgbClr val="000000">
-                <a:alpha val="43137"/>
-              </a:srgbClr>
-            </a:outerShdw>
-          </a:effectLst>
-        </p:spPr>
-        <p:txBody>
-          <a:bodyPr wrap="square" rtlCol="0">
-            <a:spAutoFit/>
-          </a:bodyPr>
-          <a:lstStyle/>
-          <a:p>
-            <a:r>
-              <a:rPr kumimoji="1" lang="zh-CN" altLang="en-US" dirty="0" smtClean="0"/>
-              <a:t>实例对象</a:t>
-            </a:r>
-            <a:r>
-              <a:rPr kumimoji="1" lang="en-US" altLang="zh-CN" dirty="0"/>
-              <a:t>o</a:t>
-            </a:r>
-            <a:r>
-              <a:rPr kumimoji="1" lang="zh-CN" altLang="en-US" dirty="0" smtClean="0"/>
-              <a:t> 指向的地址？？</a:t>
-            </a:r>
-            <a:endParaRPr kumimoji="1" lang="zh-CN" altLang="en-US" dirty="0"/>
-          </a:p>
-        </p:txBody>
-      </p:sp>
     </p:spTree>
     <p:extLst>
       <p:ext uri="{BB962C8B-B14F-4D97-AF65-F5344CB8AC3E}">
@@ -17833,59 +17407,6 @@
                       </p:childTnLst>
                     </p:cTn>
                   </p:par>
-                  <p:par>
-                    <p:cTn id="19" fill="hold">
-                      <p:stCondLst>
-                        <p:cond delay="indefinite"/>
-                      </p:stCondLst>
-                      <p:childTnLst>
-                        <p:par>
-                          <p:cTn id="20" fill="hold">
-                            <p:stCondLst>
-                              <p:cond delay="0"/>
-                            </p:stCondLst>
-                            <p:childTnLst>
-                              <p:par>
-                                <p:cTn id="21" presetID="20" presetClass="entr" presetSubtype="0" fill="hold" grpId="0" nodeType="clickEffect">
-                                  <p:stCondLst>
-                                    <p:cond delay="0"/>
-                                  </p:stCondLst>
-                                  <p:childTnLst>
-                                    <p:set>
-                                      <p:cBhvr>
-                                        <p:cTn id="22" dur="1" fill="hold">
-                                          <p:stCondLst>
-                                            <p:cond delay="0"/>
-                                          </p:stCondLst>
-                                        </p:cTn>
-                                        <p:tgtEl>
-                                          <p:spTgt spid="9"/>
-                                        </p:tgtEl>
-                                        <p:attrNameLst>
-                                          <p:attrName>style.visibility</p:attrName>
-                                        </p:attrNameLst>
-                                      </p:cBhvr>
-                                      <p:to>
-                                        <p:strVal val="visible"/>
-                                      </p:to>
-                                    </p:set>
-                                    <p:animEffect transition="in" filter="wedge">
-                                      <p:cBhvr>
-                                        <p:cTn id="23" dur="2000"/>
-                                        <p:tgtEl>
-                                          <p:spTgt spid="9"/>
-                                        </p:tgtEl>
-                                      </p:cBhvr>
-                                    </p:animEffect>
-                                  </p:childTnLst>
-                                </p:cTn>
-                              </p:par>
-                            </p:childTnLst>
-                          </p:cTn>
-                        </p:par>
-                      </p:childTnLst>
-                    </p:cTn>
-                  </p:par>
                 </p:childTnLst>
               </p:cTn>
               <p:prevCondLst>
@@ -17907,9 +17428,6 @@
         </p:cTn>
       </p:par>
     </p:tnLst>
-    <p:bldLst>
-      <p:bldP spid="9" grpId="0"/>
-    </p:bldLst>
   </p:timing>
 </p:sld>
 </file>

--- a/01-NSObejct本质/聊聊NSObject.pptx
+++ b/01-NSObejct本质/聊聊NSObject.pptx
@@ -3071,7 +3071,7 @@
             <a:fld id="{0F9B84EA-7D68-4D60-9CB1-D50884785D1C}" type="datetimeFigureOut">
               <a:rPr lang="zh-CN" altLang="en-US" smtClean="0"/>
               <a:pPr/>
-              <a:t>2018/6/13</a:t>
+              <a:t>2018/7/2</a:t>
             </a:fld>
             <a:endParaRPr lang="zh-CN" altLang="en-US"/>
           </a:p>
@@ -3242,7 +3242,7 @@
             <a:fld id="{7427AE1C-C8CA-495D-A1C3-F4E19E455D4D}" type="datetimeFigureOut">
               <a:rPr lang="zh-CN" altLang="en-US" smtClean="0"/>
               <a:pPr/>
-              <a:t>2018/6/13</a:t>
+              <a:t>2018/7/2</a:t>
             </a:fld>
             <a:endParaRPr lang="zh-CN" altLang="en-US"/>
           </a:p>
@@ -4077,7 +4077,7 @@
             <a:fld id="{0880C882-A448-4391-8676-F5947BC890DB}" type="datetimeFigureOut">
               <a:rPr lang="zh-CN" altLang="en-US" smtClean="0"/>
               <a:pPr/>
-              <a:t>2018/6/13</a:t>
+              <a:t>2018/7/2</a:t>
             </a:fld>
             <a:endParaRPr lang="zh-CN" altLang="en-US"/>
           </a:p>
@@ -4223,7 +4223,7 @@
             <a:fld id="{0880C882-A448-4391-8676-F5947BC890DB}" type="datetimeFigureOut">
               <a:rPr lang="zh-CN" altLang="en-US" smtClean="0"/>
               <a:pPr/>
-              <a:t>2018/6/13</a:t>
+              <a:t>2018/7/2</a:t>
             </a:fld>
             <a:endParaRPr lang="zh-CN" altLang="en-US"/>
           </a:p>
@@ -4426,7 +4426,7 @@
             <a:fld id="{530820CF-B880-4189-942D-D702A7CBA730}" type="datetimeFigureOut">
               <a:rPr lang="zh-CN" altLang="en-US" smtClean="0"/>
               <a:pPr/>
-              <a:t>2018/6/13</a:t>
+              <a:t>2018/7/2</a:t>
             </a:fld>
             <a:endParaRPr lang="zh-CN" altLang="en-US"/>
           </a:p>
@@ -4671,7 +4671,7 @@
                 </a:solidFill>
               </a:rPr>
               <a:pPr/>
-              <a:t>2018/6/13</a:t>
+              <a:t>2018/7/2</a:t>
             </a:fld>
             <a:endParaRPr lang="zh-CN" altLang="en-US">
               <a:solidFill>
@@ -4787,7 +4787,7 @@
             <a:fld id="{530820CF-B880-4189-942D-D702A7CBA730}" type="datetimeFigureOut">
               <a:rPr lang="zh-CN" altLang="en-US" smtClean="0"/>
               <a:pPr/>
-              <a:t>2018/6/13</a:t>
+              <a:t>2018/7/2</a:t>
             </a:fld>
             <a:endParaRPr lang="zh-CN" altLang="en-US"/>
           </a:p>
@@ -4998,7 +4998,7 @@
             <a:fld id="{0880C882-A448-4391-8676-F5947BC890DB}" type="datetimeFigureOut">
               <a:rPr lang="zh-CN" altLang="en-US" smtClean="0"/>
               <a:pPr/>
-              <a:t>2018/6/13</a:t>
+              <a:t>2018/7/2</a:t>
             </a:fld>
             <a:endParaRPr lang="zh-CN" altLang="en-US"/>
           </a:p>
@@ -9537,6 +9537,13 @@
   <p:clrMapOvr>
     <a:masterClrMapping/>
   </p:clrMapOvr>
+  <p:timing>
+    <p:tnLst>
+      <p:par>
+        <p:cTn id="1" dur="indefinite" restart="never" nodeType="tmRoot"/>
+      </p:par>
+    </p:tnLst>
+  </p:timing>
 </p:sld>
 </file>
 
@@ -15392,46 +15399,17 @@
           <a:lstStyle/>
           <a:p>
             <a:r>
-              <a:rPr lang="zh-CN" altLang="en-US" sz="1900" dirty="0" smtClean="0">
-                <a:solidFill>
-                  <a:schemeClr val="accent1"/>
-                </a:solidFill>
-                <a:latin typeface="微软雅黑" panose="020B0503020204020204" charset="-122"/>
-                <a:ea typeface="微软雅黑" panose="020B0503020204020204" charset="-122"/>
-                <a:cs typeface="微软雅黑" panose="020B0503020204020204" charset="-122"/>
+              <a:rPr kumimoji="1" lang="en-US" altLang="zh-CN" sz="2000" dirty="0">
+                <a:latin typeface="+mj-ea"/>
               </a:rPr>
-              <a:t>疑问：</a:t>
-            </a:r>
-            <a:r>
-              <a:rPr lang="en-US" altLang="zh-CN" sz="2000" dirty="0" err="1" smtClean="0">
-                <a:solidFill>
-                  <a:schemeClr val="accent1"/>
-                </a:solidFill>
-                <a:latin typeface="微软雅黑" panose="020B0503020204020204" charset="-122"/>
-                <a:ea typeface="微软雅黑" panose="020B0503020204020204" charset="-122"/>
-                <a:cs typeface="微软雅黑" panose="020B0503020204020204" charset="-122"/>
+              <a:t>Object-C</a:t>
+            </a:r>
+            <a:r>
+              <a:rPr kumimoji="1" lang="zh-CN" altLang="en-US" sz="2000" dirty="0">
+                <a:latin typeface="+mj-ea"/>
               </a:rPr>
-              <a:t>NSObject</a:t>
-            </a:r>
-            <a:r>
-              <a:rPr lang="zh-CN" altLang="en-US" sz="1900" dirty="0" smtClean="0">
-                <a:solidFill>
-                  <a:schemeClr val="accent1"/>
-                </a:solidFill>
-                <a:latin typeface="微软雅黑" panose="020B0503020204020204" charset="-122"/>
-                <a:ea typeface="微软雅黑" panose="020B0503020204020204" charset="-122"/>
-                <a:cs typeface="微软雅黑" panose="020B0503020204020204" charset="-122"/>
-              </a:rPr>
-              <a:t>对象占用多少内存？？？</a:t>
-            </a:r>
-            <a:endParaRPr sz="1900" dirty="0">
-              <a:solidFill>
-                <a:schemeClr val="accent1"/>
-              </a:solidFill>
-              <a:latin typeface="微软雅黑" panose="020B0503020204020204" charset="-122"/>
-              <a:ea typeface="微软雅黑" panose="020B0503020204020204" charset="-122"/>
-              <a:cs typeface="微软雅黑" panose="020B0503020204020204" charset="-122"/>
-            </a:endParaRPr>
+              <a:t> 底层实现</a:t>
+            </a:r>
           </a:p>
         </p:txBody>
       </p:sp>
@@ -15540,49 +15518,6 @@
               <a:latin typeface="Impact" charset="0"/>
               <a:ea typeface="Impact" charset="0"/>
               <a:cs typeface="Impact" charset="0"/>
-            </a:endParaRPr>
-          </a:p>
-        </p:txBody>
-      </p:sp>
-      <p:sp>
-        <p:nvSpPr>
-          <p:cNvPr id="4" name="文本框 3"/>
-          <p:cNvSpPr txBox="1"/>
-          <p:nvPr/>
-        </p:nvSpPr>
-        <p:spPr>
-          <a:xfrm>
-            <a:off x="1522002" y="1696542"/>
-            <a:ext cx="2800254" cy="461665"/>
-          </a:xfrm>
-          <a:prstGeom prst="rect">
-            <a:avLst/>
-          </a:prstGeom>
-          <a:noFill/>
-        </p:spPr>
-        <p:txBody>
-          <a:bodyPr wrap="none" rtlCol="0">
-            <a:spAutoFit/>
-          </a:bodyPr>
-          <a:lstStyle/>
-          <a:p>
-            <a:r>
-              <a:rPr kumimoji="1" lang="en-US" altLang="zh-CN" sz="2400" dirty="0" smtClean="0">
-                <a:latin typeface="+mj-ea"/>
-                <a:ea typeface="+mj-ea"/>
-              </a:rPr>
-              <a:t>Object-C</a:t>
-            </a:r>
-            <a:r>
-              <a:rPr kumimoji="1" lang="zh-CN" altLang="en-US" sz="2400" dirty="0" smtClean="0">
-                <a:latin typeface="+mj-ea"/>
-                <a:ea typeface="+mj-ea"/>
-              </a:rPr>
-              <a:t> 底层实现</a:t>
-            </a:r>
-            <a:endParaRPr kumimoji="1" lang="zh-CN" altLang="en-US" sz="2400" dirty="0">
-              <a:latin typeface="+mj-ea"/>
-              <a:ea typeface="+mj-ea"/>
             </a:endParaRPr>
           </a:p>
         </p:txBody>
@@ -15931,7 +15866,7 @@
                             </p:stCondLst>
                             <p:childTnLst>
                               <p:par>
-                                <p:cTn id="5" presetID="12" presetClass="entr" presetSubtype="4" fill="hold" grpId="0" nodeType="clickEffect">
+                                <p:cTn id="5" presetID="55" presetClass="entr" presetSubtype="0" fill="hold" nodeType="clickEffect">
                                   <p:stCondLst>
                                     <p:cond delay="0"/>
                                   </p:stCondLst>
@@ -15944,7 +15879,7 @@
                                           </p:stCondLst>
                                         </p:cTn>
                                         <p:tgtEl>
-                                          <p:spTgt spid="4"/>
+                                          <p:spTgt spid="11"/>
                                         </p:tgtEl>
                                         <p:attrNameLst>
                                           <p:attrName>style.visibility</p:attrName>
@@ -15955,84 +15890,8 @@
                                       </p:to>
                                     </p:set>
                                     <p:anim calcmode="lin" valueType="num">
-                                      <p:cBhvr additive="base">
-                                        <p:cTn id="7" dur="500"/>
-                                        <p:tgtEl>
-                                          <p:spTgt spid="4"/>
-                                        </p:tgtEl>
-                                        <p:attrNameLst>
-                                          <p:attrName>ppt_y</p:attrName>
-                                        </p:attrNameLst>
-                                      </p:cBhvr>
-                                      <p:tavLst>
-                                        <p:tav tm="0">
-                                          <p:val>
-                                            <p:strVal val="#ppt_y+#ppt_h*1.125000"/>
-                                          </p:val>
-                                        </p:tav>
-                                        <p:tav tm="100000">
-                                          <p:val>
-                                            <p:strVal val="#ppt_y"/>
-                                          </p:val>
-                                        </p:tav>
-                                      </p:tavLst>
-                                    </p:anim>
-                                    <p:animEffect transition="in" filter="wipe(up)">
-                                      <p:cBhvr>
-                                        <p:cTn id="8" dur="500"/>
-                                        <p:tgtEl>
-                                          <p:spTgt spid="4"/>
-                                        </p:tgtEl>
-                                      </p:cBhvr>
-                                    </p:animEffect>
-                                  </p:childTnLst>
-                                </p:cTn>
-                              </p:par>
-                            </p:childTnLst>
-                          </p:cTn>
-                        </p:par>
-                      </p:childTnLst>
-                    </p:cTn>
-                  </p:par>
-                  <p:par>
-                    <p:cTn id="9" fill="hold">
-                      <p:stCondLst>
-                        <p:cond delay="indefinite"/>
-                      </p:stCondLst>
-                      <p:childTnLst>
-                        <p:par>
-                          <p:cTn id="10" fill="hold">
-                            <p:stCondLst>
-                              <p:cond delay="0"/>
-                            </p:stCondLst>
-                            <p:childTnLst>
-                              <p:par>
-                                <p:cTn id="11" presetID="55" presetClass="entr" presetSubtype="0" fill="hold" nodeType="clickEffect">
-                                  <p:stCondLst>
-                                    <p:cond delay="0"/>
-                                  </p:stCondLst>
-                                  <p:childTnLst>
-                                    <p:set>
-                                      <p:cBhvr>
-                                        <p:cTn id="12" dur="1" fill="hold">
-                                          <p:stCondLst>
-                                            <p:cond delay="0"/>
-                                          </p:stCondLst>
-                                        </p:cTn>
-                                        <p:tgtEl>
-                                          <p:spTgt spid="11"/>
-                                        </p:tgtEl>
-                                        <p:attrNameLst>
-                                          <p:attrName>style.visibility</p:attrName>
-                                        </p:attrNameLst>
-                                      </p:cBhvr>
-                                      <p:to>
-                                        <p:strVal val="visible"/>
-                                      </p:to>
-                                    </p:set>
-                                    <p:anim calcmode="lin" valueType="num">
-                                      <p:cBhvr>
-                                        <p:cTn id="13" dur="1000" fill="hold"/>
+                                      <p:cBhvr>
+                                        <p:cTn id="7" dur="1000" fill="hold"/>
                                         <p:tgtEl>
                                           <p:spTgt spid="11"/>
                                         </p:tgtEl>
@@ -16055,7 +15914,7 @@
                                     </p:anim>
                                     <p:anim calcmode="lin" valueType="num">
                                       <p:cBhvr>
-                                        <p:cTn id="14" dur="1000" fill="hold"/>
+                                        <p:cTn id="8" dur="1000" fill="hold"/>
                                         <p:tgtEl>
                                           <p:spTgt spid="11"/>
                                         </p:tgtEl>
@@ -16078,7 +15937,7 @@
                                     </p:anim>
                                     <p:animEffect transition="in" filter="fade">
                                       <p:cBhvr>
-                                        <p:cTn id="15" dur="1000"/>
+                                        <p:cTn id="9" dur="1000"/>
                                         <p:tgtEl>
                                           <p:spTgt spid="11"/>
                                         </p:tgtEl>
@@ -16114,9 +15973,6 @@
         </p:cTn>
       </p:par>
     </p:tnLst>
-    <p:bldLst>
-      <p:bldP spid="4" grpId="0"/>
-    </p:bldLst>
   </p:timing>
 </p:sld>
 </file>
